--- a/LectureHandouts/Day2Handouts/VigenereTable.pptx
+++ b/LectureHandouts/Day2Handouts/VigenereTable.pptx
@@ -53,7 +53,7 @@
       </p:grpSpPr>
       <p:sp>
         <p:nvSpPr>
-          <p:cNvPr id="26" name="PlaceHolder 1"/>
+          <p:cNvPr id="21" name="PlaceHolder 1"/>
           <p:cNvSpPr>
             <a:spLocks noGrp="1"/>
           </p:cNvSpPr>
@@ -64,7 +64,7 @@
         <p:spPr>
           <a:xfrm>
             <a:off x="504000" y="301320"/>
-            <a:ext cx="9071640" cy="1262160"/>
+            <a:ext cx="9072000" cy="1261800"/>
           </a:xfrm>
           <a:prstGeom prst="rect">
             <a:avLst/>
@@ -90,7 +90,7 @@
       </p:sp>
       <p:sp>
         <p:nvSpPr>
-          <p:cNvPr id="27" name="PlaceHolder 2"/>
+          <p:cNvPr id="22" name="PlaceHolder 2"/>
           <p:cNvSpPr>
             <a:spLocks noGrp="1"/>
           </p:cNvSpPr>
@@ -100,8 +100,8 @@
         </p:nvSpPr>
         <p:spPr>
           <a:xfrm>
-            <a:off x="504000" y="1769040"/>
-            <a:ext cx="9071640" cy="2091240"/>
+            <a:off x="504000" y="1768680"/>
+            <a:ext cx="9072000" cy="2090880"/>
           </a:xfrm>
           <a:prstGeom prst="rect">
             <a:avLst/>
@@ -126,7 +126,7 @@
       </p:sp>
       <p:sp>
         <p:nvSpPr>
-          <p:cNvPr id="28" name="PlaceHolder 3"/>
+          <p:cNvPr id="23" name="PlaceHolder 3"/>
           <p:cNvSpPr>
             <a:spLocks noGrp="1"/>
           </p:cNvSpPr>
@@ -136,8 +136,8 @@
         </p:nvSpPr>
         <p:spPr>
           <a:xfrm>
-            <a:off x="504000" y="4059360"/>
-            <a:ext cx="9071640" cy="2091240"/>
+            <a:off x="504000" y="4058640"/>
+            <a:ext cx="9072000" cy="2090880"/>
           </a:xfrm>
           <a:prstGeom prst="rect">
             <a:avLst/>
@@ -184,7 +184,7 @@
       </p:grpSpPr>
       <p:sp>
         <p:nvSpPr>
-          <p:cNvPr id="29" name="PlaceHolder 1"/>
+          <p:cNvPr id="24" name="PlaceHolder 1"/>
           <p:cNvSpPr>
             <a:spLocks noGrp="1"/>
           </p:cNvSpPr>
@@ -195,7 +195,7 @@
         <p:spPr>
           <a:xfrm>
             <a:off x="504000" y="301320"/>
-            <a:ext cx="9071640" cy="1262160"/>
+            <a:ext cx="9072000" cy="1261800"/>
           </a:xfrm>
           <a:prstGeom prst="rect">
             <a:avLst/>
@@ -221,7 +221,7 @@
       </p:sp>
       <p:sp>
         <p:nvSpPr>
-          <p:cNvPr id="30" name="PlaceHolder 2"/>
+          <p:cNvPr id="25" name="PlaceHolder 2"/>
           <p:cNvSpPr>
             <a:spLocks noGrp="1"/>
           </p:cNvSpPr>
@@ -231,8 +231,8 @@
         </p:nvSpPr>
         <p:spPr>
           <a:xfrm>
-            <a:off x="504000" y="1769040"/>
-            <a:ext cx="4426920" cy="2091240"/>
+            <a:off x="504000" y="1768680"/>
+            <a:ext cx="4426920" cy="2090880"/>
           </a:xfrm>
           <a:prstGeom prst="rect">
             <a:avLst/>
@@ -257,7 +257,7 @@
       </p:sp>
       <p:sp>
         <p:nvSpPr>
-          <p:cNvPr id="31" name="PlaceHolder 3"/>
+          <p:cNvPr id="26" name="PlaceHolder 3"/>
           <p:cNvSpPr>
             <a:spLocks noGrp="1"/>
           </p:cNvSpPr>
@@ -267,8 +267,8 @@
         </p:nvSpPr>
         <p:spPr>
           <a:xfrm>
-            <a:off x="5152680" y="1769040"/>
-            <a:ext cx="4426920" cy="2091240"/>
+            <a:off x="5152680" y="1768680"/>
+            <a:ext cx="4426920" cy="2090880"/>
           </a:xfrm>
           <a:prstGeom prst="rect">
             <a:avLst/>
@@ -293,7 +293,7 @@
       </p:sp>
       <p:sp>
         <p:nvSpPr>
-          <p:cNvPr id="32" name="PlaceHolder 4"/>
+          <p:cNvPr id="27" name="PlaceHolder 4"/>
           <p:cNvSpPr>
             <a:spLocks noGrp="1"/>
           </p:cNvSpPr>
@@ -303,8 +303,8 @@
         </p:nvSpPr>
         <p:spPr>
           <a:xfrm>
-            <a:off x="5152680" y="4059360"/>
-            <a:ext cx="4426920" cy="2091240"/>
+            <a:off x="5152680" y="4058640"/>
+            <a:ext cx="4426920" cy="2090880"/>
           </a:xfrm>
           <a:prstGeom prst="rect">
             <a:avLst/>
@@ -329,7 +329,7 @@
       </p:sp>
       <p:sp>
         <p:nvSpPr>
-          <p:cNvPr id="33" name="PlaceHolder 5"/>
+          <p:cNvPr id="28" name="PlaceHolder 5"/>
           <p:cNvSpPr>
             <a:spLocks noGrp="1"/>
           </p:cNvSpPr>
@@ -339,8 +339,8 @@
         </p:nvSpPr>
         <p:spPr>
           <a:xfrm>
-            <a:off x="504000" y="4059360"/>
-            <a:ext cx="4426920" cy="2091240"/>
+            <a:off x="504000" y="4058640"/>
+            <a:ext cx="4426920" cy="2090880"/>
           </a:xfrm>
           <a:prstGeom prst="rect">
             <a:avLst/>
@@ -387,7 +387,7 @@
       </p:grpSpPr>
       <p:sp>
         <p:nvSpPr>
-          <p:cNvPr id="34" name="PlaceHolder 1"/>
+          <p:cNvPr id="29" name="PlaceHolder 1"/>
           <p:cNvSpPr>
             <a:spLocks noGrp="1"/>
           </p:cNvSpPr>
@@ -398,7 +398,7 @@
         <p:spPr>
           <a:xfrm>
             <a:off x="504000" y="301320"/>
-            <a:ext cx="9071640" cy="1262160"/>
+            <a:ext cx="9072000" cy="1261800"/>
           </a:xfrm>
           <a:prstGeom prst="rect">
             <a:avLst/>
@@ -424,7 +424,7 @@
       </p:sp>
       <p:sp>
         <p:nvSpPr>
-          <p:cNvPr id="35" name="PlaceHolder 2"/>
+          <p:cNvPr id="30" name="PlaceHolder 2"/>
           <p:cNvSpPr>
             <a:spLocks noGrp="1"/>
           </p:cNvSpPr>
@@ -434,8 +434,8 @@
         </p:nvSpPr>
         <p:spPr>
           <a:xfrm>
-            <a:off x="504000" y="1769040"/>
-            <a:ext cx="9071640" cy="4384440"/>
+            <a:off x="504000" y="1768680"/>
+            <a:ext cx="9072000" cy="4384080"/>
           </a:xfrm>
           <a:prstGeom prst="rect">
             <a:avLst/>
@@ -460,7 +460,7 @@
       </p:sp>
       <p:sp>
         <p:nvSpPr>
-          <p:cNvPr id="36" name="PlaceHolder 3"/>
+          <p:cNvPr id="31" name="PlaceHolder 3"/>
           <p:cNvSpPr>
             <a:spLocks noGrp="1"/>
           </p:cNvSpPr>
@@ -470,8 +470,8 @@
         </p:nvSpPr>
         <p:spPr>
           <a:xfrm>
-            <a:off x="504000" y="1769040"/>
-            <a:ext cx="9071640" cy="4384440"/>
+            <a:off x="504000" y="1768680"/>
+            <a:ext cx="9072000" cy="4384080"/>
           </a:xfrm>
           <a:prstGeom prst="rect">
             <a:avLst/>
@@ -496,7 +496,7 @@
       </p:sp>
       <p:pic>
         <p:nvPicPr>
-          <p:cNvPr id="37" name="" descr=""/>
+          <p:cNvPr id="32" name="" descr=""/>
           <p:cNvPicPr/>
           <p:nvPr/>
         </p:nvPicPr>
@@ -506,8 +506,8 @@
         </p:blipFill>
         <p:spPr>
           <a:xfrm>
-            <a:off x="2292120" y="1768680"/>
-            <a:ext cx="5495040" cy="4384440"/>
+            <a:off x="2292480" y="1768680"/>
+            <a:ext cx="5494680" cy="4384080"/>
           </a:xfrm>
           <a:prstGeom prst="rect">
             <a:avLst/>
@@ -519,7 +519,7 @@
       </p:pic>
       <p:pic>
         <p:nvPicPr>
-          <p:cNvPr id="38" name="" descr=""/>
+          <p:cNvPr id="33" name="" descr=""/>
           <p:cNvPicPr/>
           <p:nvPr/>
         </p:nvPicPr>
@@ -529,8 +529,8 @@
         </p:blipFill>
         <p:spPr>
           <a:xfrm>
-            <a:off x="2292120" y="1768680"/>
-            <a:ext cx="5495040" cy="4384440"/>
+            <a:off x="2292480" y="1768680"/>
+            <a:ext cx="5494680" cy="4384080"/>
           </a:xfrm>
           <a:prstGeom prst="rect">
             <a:avLst/>
@@ -564,7 +564,7 @@
       </p:grpSpPr>
       <p:sp>
         <p:nvSpPr>
-          <p:cNvPr id="5" name="PlaceHolder 1"/>
+          <p:cNvPr id="0" name="PlaceHolder 1"/>
           <p:cNvSpPr>
             <a:spLocks noGrp="1"/>
           </p:cNvSpPr>
@@ -575,7 +575,7 @@
         <p:spPr>
           <a:xfrm>
             <a:off x="504000" y="301320"/>
-            <a:ext cx="9071640" cy="1262160"/>
+            <a:ext cx="9072000" cy="1261800"/>
           </a:xfrm>
           <a:prstGeom prst="rect">
             <a:avLst/>
@@ -601,7 +601,7 @@
       </p:sp>
       <p:sp>
         <p:nvSpPr>
-          <p:cNvPr id="6" name="PlaceHolder 2"/>
+          <p:cNvPr id="1" name="PlaceHolder 2"/>
           <p:cNvSpPr>
             <a:spLocks noGrp="1"/>
           </p:cNvSpPr>
@@ -611,8 +611,8 @@
         </p:nvSpPr>
         <p:spPr>
           <a:xfrm>
-            <a:off x="504000" y="1769040"/>
-            <a:ext cx="9071640" cy="4384440"/>
+            <a:off x="504000" y="1768680"/>
+            <a:ext cx="9072000" cy="4384080"/>
           </a:xfrm>
           <a:prstGeom prst="rect">
             <a:avLst/>
@@ -660,7 +660,7 @@
       </p:grpSpPr>
       <p:sp>
         <p:nvSpPr>
-          <p:cNvPr id="7" name="PlaceHolder 1"/>
+          <p:cNvPr id="2" name="PlaceHolder 1"/>
           <p:cNvSpPr>
             <a:spLocks noGrp="1"/>
           </p:cNvSpPr>
@@ -671,7 +671,7 @@
         <p:spPr>
           <a:xfrm>
             <a:off x="504000" y="301320"/>
-            <a:ext cx="9071640" cy="1262160"/>
+            <a:ext cx="9072000" cy="1261800"/>
           </a:xfrm>
           <a:prstGeom prst="rect">
             <a:avLst/>
@@ -697,7 +697,7 @@
       </p:sp>
       <p:sp>
         <p:nvSpPr>
-          <p:cNvPr id="8" name="PlaceHolder 2"/>
+          <p:cNvPr id="3" name="PlaceHolder 2"/>
           <p:cNvSpPr>
             <a:spLocks noGrp="1"/>
           </p:cNvSpPr>
@@ -707,8 +707,8 @@
         </p:nvSpPr>
         <p:spPr>
           <a:xfrm>
-            <a:off x="504000" y="1769040"/>
-            <a:ext cx="9071640" cy="4384440"/>
+            <a:off x="504000" y="1768680"/>
+            <a:ext cx="9072000" cy="4384080"/>
           </a:xfrm>
           <a:prstGeom prst="rect">
             <a:avLst/>
@@ -755,7 +755,7 @@
       </p:grpSpPr>
       <p:sp>
         <p:nvSpPr>
-          <p:cNvPr id="9" name="PlaceHolder 1"/>
+          <p:cNvPr id="4" name="PlaceHolder 1"/>
           <p:cNvSpPr>
             <a:spLocks noGrp="1"/>
           </p:cNvSpPr>
@@ -766,7 +766,7 @@
         <p:spPr>
           <a:xfrm>
             <a:off x="504000" y="301320"/>
-            <a:ext cx="9071640" cy="1262160"/>
+            <a:ext cx="9072000" cy="1261800"/>
           </a:xfrm>
           <a:prstGeom prst="rect">
             <a:avLst/>
@@ -792,7 +792,7 @@
       </p:sp>
       <p:sp>
         <p:nvSpPr>
-          <p:cNvPr id="10" name="PlaceHolder 2"/>
+          <p:cNvPr id="5" name="PlaceHolder 2"/>
           <p:cNvSpPr>
             <a:spLocks noGrp="1"/>
           </p:cNvSpPr>
@@ -802,8 +802,8 @@
         </p:nvSpPr>
         <p:spPr>
           <a:xfrm>
-            <a:off x="504000" y="1769040"/>
-            <a:ext cx="4426920" cy="4384440"/>
+            <a:off x="504000" y="1768680"/>
+            <a:ext cx="4426920" cy="4384080"/>
           </a:xfrm>
           <a:prstGeom prst="rect">
             <a:avLst/>
@@ -828,7 +828,7 @@
       </p:sp>
       <p:sp>
         <p:nvSpPr>
-          <p:cNvPr id="11" name="PlaceHolder 3"/>
+          <p:cNvPr id="6" name="PlaceHolder 3"/>
           <p:cNvSpPr>
             <a:spLocks noGrp="1"/>
           </p:cNvSpPr>
@@ -838,8 +838,8 @@
         </p:nvSpPr>
         <p:spPr>
           <a:xfrm>
-            <a:off x="5152680" y="1769040"/>
-            <a:ext cx="4426920" cy="4384440"/>
+            <a:off x="5152680" y="1768680"/>
+            <a:ext cx="4426920" cy="4384080"/>
           </a:xfrm>
           <a:prstGeom prst="rect">
             <a:avLst/>
@@ -886,7 +886,7 @@
       </p:grpSpPr>
       <p:sp>
         <p:nvSpPr>
-          <p:cNvPr id="12" name="PlaceHolder 1"/>
+          <p:cNvPr id="7" name="PlaceHolder 1"/>
           <p:cNvSpPr>
             <a:spLocks noGrp="1"/>
           </p:cNvSpPr>
@@ -897,7 +897,7 @@
         <p:spPr>
           <a:xfrm>
             <a:off x="504000" y="301320"/>
-            <a:ext cx="9071640" cy="1262160"/>
+            <a:ext cx="9072000" cy="1261800"/>
           </a:xfrm>
           <a:prstGeom prst="rect">
             <a:avLst/>
@@ -945,7 +945,7 @@
       </p:grpSpPr>
       <p:sp>
         <p:nvSpPr>
-          <p:cNvPr id="13" name="PlaceHolder 1"/>
+          <p:cNvPr id="8" name="PlaceHolder 1"/>
           <p:cNvSpPr>
             <a:spLocks noGrp="1"/>
           </p:cNvSpPr>
@@ -956,7 +956,7 @@
         <p:spPr>
           <a:xfrm>
             <a:off x="504000" y="301320"/>
-            <a:ext cx="9071640" cy="5851800"/>
+            <a:ext cx="9072000" cy="5850360"/>
           </a:xfrm>
           <a:prstGeom prst="rect">
             <a:avLst/>
@@ -1004,7 +1004,7 @@
       </p:grpSpPr>
       <p:sp>
         <p:nvSpPr>
-          <p:cNvPr id="14" name="PlaceHolder 1"/>
+          <p:cNvPr id="9" name="PlaceHolder 1"/>
           <p:cNvSpPr>
             <a:spLocks noGrp="1"/>
           </p:cNvSpPr>
@@ -1015,7 +1015,7 @@
         <p:spPr>
           <a:xfrm>
             <a:off x="504000" y="301320"/>
-            <a:ext cx="9071640" cy="1262160"/>
+            <a:ext cx="9072000" cy="1261800"/>
           </a:xfrm>
           <a:prstGeom prst="rect">
             <a:avLst/>
@@ -1041,7 +1041,7 @@
       </p:sp>
       <p:sp>
         <p:nvSpPr>
-          <p:cNvPr id="15" name="PlaceHolder 2"/>
+          <p:cNvPr id="10" name="PlaceHolder 2"/>
           <p:cNvSpPr>
             <a:spLocks noGrp="1"/>
           </p:cNvSpPr>
@@ -1051,8 +1051,8 @@
         </p:nvSpPr>
         <p:spPr>
           <a:xfrm>
-            <a:off x="504000" y="1769040"/>
-            <a:ext cx="4426920" cy="2091240"/>
+            <a:off x="504000" y="1768680"/>
+            <a:ext cx="4426920" cy="2090880"/>
           </a:xfrm>
           <a:prstGeom prst="rect">
             <a:avLst/>
@@ -1077,7 +1077,7 @@
       </p:sp>
       <p:sp>
         <p:nvSpPr>
-          <p:cNvPr id="16" name="PlaceHolder 3"/>
+          <p:cNvPr id="11" name="PlaceHolder 3"/>
           <p:cNvSpPr>
             <a:spLocks noGrp="1"/>
           </p:cNvSpPr>
@@ -1087,8 +1087,8 @@
         </p:nvSpPr>
         <p:spPr>
           <a:xfrm>
-            <a:off x="504000" y="4059360"/>
-            <a:ext cx="4426920" cy="2091240"/>
+            <a:off x="504000" y="4058640"/>
+            <a:ext cx="4426920" cy="2090880"/>
           </a:xfrm>
           <a:prstGeom prst="rect">
             <a:avLst/>
@@ -1113,7 +1113,7 @@
       </p:sp>
       <p:sp>
         <p:nvSpPr>
-          <p:cNvPr id="17" name="PlaceHolder 4"/>
+          <p:cNvPr id="12" name="PlaceHolder 4"/>
           <p:cNvSpPr>
             <a:spLocks noGrp="1"/>
           </p:cNvSpPr>
@@ -1123,8 +1123,8 @@
         </p:nvSpPr>
         <p:spPr>
           <a:xfrm>
-            <a:off x="5152680" y="1769040"/>
-            <a:ext cx="4426920" cy="4384440"/>
+            <a:off x="5152680" y="1768680"/>
+            <a:ext cx="4426920" cy="4384080"/>
           </a:xfrm>
           <a:prstGeom prst="rect">
             <a:avLst/>
@@ -1171,7 +1171,7 @@
       </p:grpSpPr>
       <p:sp>
         <p:nvSpPr>
-          <p:cNvPr id="18" name="PlaceHolder 1"/>
+          <p:cNvPr id="13" name="PlaceHolder 1"/>
           <p:cNvSpPr>
             <a:spLocks noGrp="1"/>
           </p:cNvSpPr>
@@ -1182,7 +1182,7 @@
         <p:spPr>
           <a:xfrm>
             <a:off x="504000" y="301320"/>
-            <a:ext cx="9071640" cy="1262160"/>
+            <a:ext cx="9072000" cy="1261800"/>
           </a:xfrm>
           <a:prstGeom prst="rect">
             <a:avLst/>
@@ -1208,7 +1208,7 @@
       </p:sp>
       <p:sp>
         <p:nvSpPr>
-          <p:cNvPr id="19" name="PlaceHolder 2"/>
+          <p:cNvPr id="14" name="PlaceHolder 2"/>
           <p:cNvSpPr>
             <a:spLocks noGrp="1"/>
           </p:cNvSpPr>
@@ -1218,8 +1218,8 @@
         </p:nvSpPr>
         <p:spPr>
           <a:xfrm>
-            <a:off x="504000" y="1769040"/>
-            <a:ext cx="4426920" cy="4384440"/>
+            <a:off x="504000" y="1768680"/>
+            <a:ext cx="4426920" cy="4384080"/>
           </a:xfrm>
           <a:prstGeom prst="rect">
             <a:avLst/>
@@ -1244,7 +1244,7 @@
       </p:sp>
       <p:sp>
         <p:nvSpPr>
-          <p:cNvPr id="20" name="PlaceHolder 3"/>
+          <p:cNvPr id="15" name="PlaceHolder 3"/>
           <p:cNvSpPr>
             <a:spLocks noGrp="1"/>
           </p:cNvSpPr>
@@ -1254,8 +1254,8 @@
         </p:nvSpPr>
         <p:spPr>
           <a:xfrm>
-            <a:off x="5152680" y="1769040"/>
-            <a:ext cx="4426920" cy="2091240"/>
+            <a:off x="5152680" y="1768680"/>
+            <a:ext cx="4426920" cy="2090880"/>
           </a:xfrm>
           <a:prstGeom prst="rect">
             <a:avLst/>
@@ -1280,7 +1280,7 @@
       </p:sp>
       <p:sp>
         <p:nvSpPr>
-          <p:cNvPr id="21" name="PlaceHolder 4"/>
+          <p:cNvPr id="16" name="PlaceHolder 4"/>
           <p:cNvSpPr>
             <a:spLocks noGrp="1"/>
           </p:cNvSpPr>
@@ -1290,8 +1290,8 @@
         </p:nvSpPr>
         <p:spPr>
           <a:xfrm>
-            <a:off x="5152680" y="4059360"/>
-            <a:ext cx="4426920" cy="2091240"/>
+            <a:off x="5152680" y="4058640"/>
+            <a:ext cx="4426920" cy="2090880"/>
           </a:xfrm>
           <a:prstGeom prst="rect">
             <a:avLst/>
@@ -1338,7 +1338,7 @@
       </p:grpSpPr>
       <p:sp>
         <p:nvSpPr>
-          <p:cNvPr id="22" name="PlaceHolder 1"/>
+          <p:cNvPr id="17" name="PlaceHolder 1"/>
           <p:cNvSpPr>
             <a:spLocks noGrp="1"/>
           </p:cNvSpPr>
@@ -1349,7 +1349,7 @@
         <p:spPr>
           <a:xfrm>
             <a:off x="504000" y="301320"/>
-            <a:ext cx="9071640" cy="1262160"/>
+            <a:ext cx="9072000" cy="1261800"/>
           </a:xfrm>
           <a:prstGeom prst="rect">
             <a:avLst/>
@@ -1375,7 +1375,7 @@
       </p:sp>
       <p:sp>
         <p:nvSpPr>
-          <p:cNvPr id="23" name="PlaceHolder 2"/>
+          <p:cNvPr id="18" name="PlaceHolder 2"/>
           <p:cNvSpPr>
             <a:spLocks noGrp="1"/>
           </p:cNvSpPr>
@@ -1385,8 +1385,8 @@
         </p:nvSpPr>
         <p:spPr>
           <a:xfrm>
-            <a:off x="504000" y="1769040"/>
-            <a:ext cx="4426920" cy="2091240"/>
+            <a:off x="504000" y="1768680"/>
+            <a:ext cx="4426920" cy="2090880"/>
           </a:xfrm>
           <a:prstGeom prst="rect">
             <a:avLst/>
@@ -1411,7 +1411,7 @@
       </p:sp>
       <p:sp>
         <p:nvSpPr>
-          <p:cNvPr id="24" name="PlaceHolder 3"/>
+          <p:cNvPr id="19" name="PlaceHolder 3"/>
           <p:cNvSpPr>
             <a:spLocks noGrp="1"/>
           </p:cNvSpPr>
@@ -1421,8 +1421,8 @@
         </p:nvSpPr>
         <p:spPr>
           <a:xfrm>
-            <a:off x="5152680" y="1769040"/>
-            <a:ext cx="4426920" cy="2091240"/>
+            <a:off x="5152680" y="1768680"/>
+            <a:ext cx="4426920" cy="2090880"/>
           </a:xfrm>
           <a:prstGeom prst="rect">
             <a:avLst/>
@@ -1447,7 +1447,7 @@
       </p:sp>
       <p:sp>
         <p:nvSpPr>
-          <p:cNvPr id="25" name="PlaceHolder 4"/>
+          <p:cNvPr id="20" name="PlaceHolder 4"/>
           <p:cNvSpPr>
             <a:spLocks noGrp="1"/>
           </p:cNvSpPr>
@@ -1457,8 +1457,8 @@
         </p:nvSpPr>
         <p:spPr>
           <a:xfrm>
-            <a:off x="504000" y="4059360"/>
-            <a:ext cx="9071640" cy="2091240"/>
+            <a:off x="504000" y="4058640"/>
+            <a:ext cx="9072000" cy="2090880"/>
           </a:xfrm>
           <a:prstGeom prst="rect">
             <a:avLst/>
@@ -1503,477 +1503,6 @@
           <a:chExt cx="0" cy="0"/>
         </a:xfrm>
       </p:grpSpPr>
-      <p:sp>
-        <p:nvSpPr>
-          <p:cNvPr id="0" name="PlaceHolder 1"/>
-          <p:cNvSpPr>
-            <a:spLocks noGrp="1"/>
-          </p:cNvSpPr>
-          <p:nvPr>
-            <p:ph type="title"/>
-          </p:nvPr>
-        </p:nvSpPr>
-        <p:spPr>
-          <a:xfrm>
-            <a:off x="504000" y="301320"/>
-            <a:ext cx="9071640" cy="1262160"/>
-          </a:xfrm>
-          <a:prstGeom prst="rect">
-            <a:avLst/>
-          </a:prstGeom>
-        </p:spPr>
-        <p:txBody>
-          <a:bodyPr lIns="0" rIns="0" tIns="0" bIns="0" anchor="ctr"/>
-          <a:p>
-            <a:pPr algn="ctr"/>
-            <a:r>
-              <a:rPr b="0" lang="en-US" sz="4400" spc="-1" strike="noStrike">
-                <a:solidFill>
-                  <a:srgbClr val="000000"/>
-                </a:solidFill>
-                <a:uFill>
-                  <a:solidFill>
-                    <a:srgbClr val="ffffff"/>
-                  </a:solidFill>
-                </a:uFill>
-                <a:latin typeface="Arial"/>
-              </a:rPr>
-              <a:t>Click to edit the title text format</a:t>
-            </a:r>
-            <a:endParaRPr b="0" lang="en-US" sz="4400" spc="-1" strike="noStrike">
-              <a:solidFill>
-                <a:srgbClr val="000000"/>
-              </a:solidFill>
-              <a:uFill>
-                <a:solidFill>
-                  <a:srgbClr val="ffffff"/>
-                </a:solidFill>
-              </a:uFill>
-              <a:latin typeface="Arial"/>
-            </a:endParaRPr>
-          </a:p>
-        </p:txBody>
-      </p:sp>
-      <p:sp>
-        <p:nvSpPr>
-          <p:cNvPr id="1" name="PlaceHolder 2"/>
-          <p:cNvSpPr>
-            <a:spLocks noGrp="1"/>
-          </p:cNvSpPr>
-          <p:nvPr>
-            <p:ph type="body"/>
-          </p:nvPr>
-        </p:nvSpPr>
-        <p:spPr>
-          <a:xfrm>
-            <a:off x="504000" y="1769040"/>
-            <a:ext cx="9071640" cy="4384440"/>
-          </a:xfrm>
-          <a:prstGeom prst="rect">
-            <a:avLst/>
-          </a:prstGeom>
-        </p:spPr>
-        <p:txBody>
-          <a:bodyPr lIns="0" rIns="0" tIns="0" bIns="0"/>
-          <a:p>
-            <a:pPr marL="432000" indent="-324000">
-              <a:buClr>
-                <a:srgbClr val="000000"/>
-              </a:buClr>
-              <a:buSzPct val="45000"/>
-              <a:buFont typeface="Wingdings" charset="2"/>
-              <a:buChar char=""/>
-            </a:pPr>
-            <a:r>
-              <a:rPr b="0" lang="en-US" sz="3200" spc="-1" strike="noStrike">
-                <a:solidFill>
-                  <a:srgbClr val="000000"/>
-                </a:solidFill>
-                <a:uFill>
-                  <a:solidFill>
-                    <a:srgbClr val="ffffff"/>
-                  </a:solidFill>
-                </a:uFill>
-                <a:latin typeface="Arial"/>
-              </a:rPr>
-              <a:t>Click to edit the outline text format</a:t>
-            </a:r>
-            <a:endParaRPr b="0" lang="en-US" sz="3200" spc="-1" strike="noStrike">
-              <a:solidFill>
-                <a:srgbClr val="000000"/>
-              </a:solidFill>
-              <a:uFill>
-                <a:solidFill>
-                  <a:srgbClr val="ffffff"/>
-                </a:solidFill>
-              </a:uFill>
-              <a:latin typeface="Arial"/>
-            </a:endParaRPr>
-          </a:p>
-          <a:p>
-            <a:pPr lvl="1" marL="864000" indent="-324000">
-              <a:buClr>
-                <a:srgbClr val="000000"/>
-              </a:buClr>
-              <a:buSzPct val="75000"/>
-              <a:buFont typeface="Symbol" charset="2"/>
-              <a:buChar char=""/>
-            </a:pPr>
-            <a:r>
-              <a:rPr b="0" lang="en-US" sz="2800" spc="-1" strike="noStrike">
-                <a:solidFill>
-                  <a:srgbClr val="000000"/>
-                </a:solidFill>
-                <a:uFill>
-                  <a:solidFill>
-                    <a:srgbClr val="ffffff"/>
-                  </a:solidFill>
-                </a:uFill>
-                <a:latin typeface="Arial"/>
-              </a:rPr>
-              <a:t>Second Outline Level</a:t>
-            </a:r>
-            <a:endParaRPr b="0" lang="en-US" sz="2800" spc="-1" strike="noStrike">
-              <a:solidFill>
-                <a:srgbClr val="000000"/>
-              </a:solidFill>
-              <a:uFill>
-                <a:solidFill>
-                  <a:srgbClr val="ffffff"/>
-                </a:solidFill>
-              </a:uFill>
-              <a:latin typeface="Arial"/>
-            </a:endParaRPr>
-          </a:p>
-          <a:p>
-            <a:pPr lvl="2" marL="1296000" indent="-288000">
-              <a:buClr>
-                <a:srgbClr val="000000"/>
-              </a:buClr>
-              <a:buSzPct val="45000"/>
-              <a:buFont typeface="Wingdings" charset="2"/>
-              <a:buChar char=""/>
-            </a:pPr>
-            <a:r>
-              <a:rPr b="0" lang="en-US" sz="2400" spc="-1" strike="noStrike">
-                <a:solidFill>
-                  <a:srgbClr val="000000"/>
-                </a:solidFill>
-                <a:uFill>
-                  <a:solidFill>
-                    <a:srgbClr val="ffffff"/>
-                  </a:solidFill>
-                </a:uFill>
-                <a:latin typeface="Arial"/>
-              </a:rPr>
-              <a:t>Third Outline Level</a:t>
-            </a:r>
-            <a:endParaRPr b="0" lang="en-US" sz="2400" spc="-1" strike="noStrike">
-              <a:solidFill>
-                <a:srgbClr val="000000"/>
-              </a:solidFill>
-              <a:uFill>
-                <a:solidFill>
-                  <a:srgbClr val="ffffff"/>
-                </a:solidFill>
-              </a:uFill>
-              <a:latin typeface="Arial"/>
-            </a:endParaRPr>
-          </a:p>
-          <a:p>
-            <a:pPr lvl="3" marL="1728000" indent="-216000">
-              <a:buClr>
-                <a:srgbClr val="000000"/>
-              </a:buClr>
-              <a:buSzPct val="75000"/>
-              <a:buFont typeface="Symbol" charset="2"/>
-              <a:buChar char=""/>
-            </a:pPr>
-            <a:r>
-              <a:rPr b="0" lang="en-US" sz="2000" spc="-1" strike="noStrike">
-                <a:solidFill>
-                  <a:srgbClr val="000000"/>
-                </a:solidFill>
-                <a:uFill>
-                  <a:solidFill>
-                    <a:srgbClr val="ffffff"/>
-                  </a:solidFill>
-                </a:uFill>
-                <a:latin typeface="Arial"/>
-              </a:rPr>
-              <a:t>Fourth Outline Level</a:t>
-            </a:r>
-            <a:endParaRPr b="0" lang="en-US" sz="2000" spc="-1" strike="noStrike">
-              <a:solidFill>
-                <a:srgbClr val="000000"/>
-              </a:solidFill>
-              <a:uFill>
-                <a:solidFill>
-                  <a:srgbClr val="ffffff"/>
-                </a:solidFill>
-              </a:uFill>
-              <a:latin typeface="Arial"/>
-            </a:endParaRPr>
-          </a:p>
-          <a:p>
-            <a:pPr lvl="4" marL="2160000" indent="-216000">
-              <a:buClr>
-                <a:srgbClr val="000000"/>
-              </a:buClr>
-              <a:buSzPct val="45000"/>
-              <a:buFont typeface="Wingdings" charset="2"/>
-              <a:buChar char=""/>
-            </a:pPr>
-            <a:r>
-              <a:rPr b="0" lang="en-US" sz="2000" spc="-1" strike="noStrike">
-                <a:solidFill>
-                  <a:srgbClr val="000000"/>
-                </a:solidFill>
-                <a:uFill>
-                  <a:solidFill>
-                    <a:srgbClr val="ffffff"/>
-                  </a:solidFill>
-                </a:uFill>
-                <a:latin typeface="Arial"/>
-              </a:rPr>
-              <a:t>Fifth Outline Level</a:t>
-            </a:r>
-            <a:endParaRPr b="0" lang="en-US" sz="2000" spc="-1" strike="noStrike">
-              <a:solidFill>
-                <a:srgbClr val="000000"/>
-              </a:solidFill>
-              <a:uFill>
-                <a:solidFill>
-                  <a:srgbClr val="ffffff"/>
-                </a:solidFill>
-              </a:uFill>
-              <a:latin typeface="Arial"/>
-            </a:endParaRPr>
-          </a:p>
-          <a:p>
-            <a:pPr lvl="5" marL="2592000" indent="-216000">
-              <a:buClr>
-                <a:srgbClr val="000000"/>
-              </a:buClr>
-              <a:buSzPct val="45000"/>
-              <a:buFont typeface="Wingdings" charset="2"/>
-              <a:buChar char=""/>
-            </a:pPr>
-            <a:r>
-              <a:rPr b="0" lang="en-US" sz="2000" spc="-1" strike="noStrike">
-                <a:solidFill>
-                  <a:srgbClr val="000000"/>
-                </a:solidFill>
-                <a:uFill>
-                  <a:solidFill>
-                    <a:srgbClr val="ffffff"/>
-                  </a:solidFill>
-                </a:uFill>
-                <a:latin typeface="Arial"/>
-              </a:rPr>
-              <a:t>Sixth Outline Level</a:t>
-            </a:r>
-            <a:endParaRPr b="0" lang="en-US" sz="2000" spc="-1" strike="noStrike">
-              <a:solidFill>
-                <a:srgbClr val="000000"/>
-              </a:solidFill>
-              <a:uFill>
-                <a:solidFill>
-                  <a:srgbClr val="ffffff"/>
-                </a:solidFill>
-              </a:uFill>
-              <a:latin typeface="Arial"/>
-            </a:endParaRPr>
-          </a:p>
-          <a:p>
-            <a:pPr lvl="6" marL="3024000" indent="-216000">
-              <a:buClr>
-                <a:srgbClr val="000000"/>
-              </a:buClr>
-              <a:buSzPct val="45000"/>
-              <a:buFont typeface="Wingdings" charset="2"/>
-              <a:buChar char=""/>
-            </a:pPr>
-            <a:r>
-              <a:rPr b="0" lang="en-US" sz="2000" spc="-1" strike="noStrike">
-                <a:solidFill>
-                  <a:srgbClr val="000000"/>
-                </a:solidFill>
-                <a:uFill>
-                  <a:solidFill>
-                    <a:srgbClr val="ffffff"/>
-                  </a:solidFill>
-                </a:uFill>
-                <a:latin typeface="Arial"/>
-              </a:rPr>
-              <a:t>Seventh Outline Level</a:t>
-            </a:r>
-            <a:endParaRPr b="0" lang="en-US" sz="2000" spc="-1" strike="noStrike">
-              <a:solidFill>
-                <a:srgbClr val="000000"/>
-              </a:solidFill>
-              <a:uFill>
-                <a:solidFill>
-                  <a:srgbClr val="ffffff"/>
-                </a:solidFill>
-              </a:uFill>
-              <a:latin typeface="Arial"/>
-            </a:endParaRPr>
-          </a:p>
-        </p:txBody>
-      </p:sp>
-      <p:sp>
-        <p:nvSpPr>
-          <p:cNvPr id="2" name="PlaceHolder 3"/>
-          <p:cNvSpPr>
-            <a:spLocks noGrp="1"/>
-          </p:cNvSpPr>
-          <p:nvPr>
-            <p:ph type="dt"/>
-          </p:nvPr>
-        </p:nvSpPr>
-        <p:spPr>
-          <a:xfrm>
-            <a:off x="504000" y="6887160"/>
-            <a:ext cx="2348280" cy="521280"/>
-          </a:xfrm>
-          <a:prstGeom prst="rect">
-            <a:avLst/>
-          </a:prstGeom>
-        </p:spPr>
-        <p:txBody>
-          <a:bodyPr lIns="0" rIns="0" tIns="0" bIns="0"/>
-          <a:p>
-            <a:r>
-              <a:rPr b="0" lang="en-US" sz="1400" spc="-1" strike="noStrike">
-                <a:solidFill>
-                  <a:srgbClr val="000000"/>
-                </a:solidFill>
-                <a:uFill>
-                  <a:solidFill>
-                    <a:srgbClr val="ffffff"/>
-                  </a:solidFill>
-                </a:uFill>
-                <a:latin typeface="Times New Roman"/>
-              </a:rPr>
-              <a:t>&lt;date/time&gt;</a:t>
-            </a:r>
-            <a:endParaRPr b="0" lang="en-US" sz="1400" spc="-1" strike="noStrike">
-              <a:solidFill>
-                <a:srgbClr val="000000"/>
-              </a:solidFill>
-              <a:uFill>
-                <a:solidFill>
-                  <a:srgbClr val="ffffff"/>
-                </a:solidFill>
-              </a:uFill>
-              <a:latin typeface="Times New Roman"/>
-            </a:endParaRPr>
-          </a:p>
-        </p:txBody>
-      </p:sp>
-      <p:sp>
-        <p:nvSpPr>
-          <p:cNvPr id="3" name="PlaceHolder 4"/>
-          <p:cNvSpPr>
-            <a:spLocks noGrp="1"/>
-          </p:cNvSpPr>
-          <p:nvPr>
-            <p:ph type="ftr"/>
-          </p:nvPr>
-        </p:nvSpPr>
-        <p:spPr>
-          <a:xfrm>
-            <a:off x="3447360" y="6887160"/>
-            <a:ext cx="3195000" cy="521280"/>
-          </a:xfrm>
-          <a:prstGeom prst="rect">
-            <a:avLst/>
-          </a:prstGeom>
-        </p:spPr>
-        <p:txBody>
-          <a:bodyPr lIns="0" rIns="0" tIns="0" bIns="0"/>
-          <a:p>
-            <a:pPr algn="ctr"/>
-            <a:r>
-              <a:rPr b="0" lang="en-US" sz="1400" spc="-1" strike="noStrike">
-                <a:solidFill>
-                  <a:srgbClr val="000000"/>
-                </a:solidFill>
-                <a:uFill>
-                  <a:solidFill>
-                    <a:srgbClr val="ffffff"/>
-                  </a:solidFill>
-                </a:uFill>
-                <a:latin typeface="Times New Roman"/>
-              </a:rPr>
-              <a:t>&lt;footer&gt;</a:t>
-            </a:r>
-            <a:endParaRPr b="0" lang="en-US" sz="1400" spc="-1" strike="noStrike">
-              <a:solidFill>
-                <a:srgbClr val="000000"/>
-              </a:solidFill>
-              <a:uFill>
-                <a:solidFill>
-                  <a:srgbClr val="ffffff"/>
-                </a:solidFill>
-              </a:uFill>
-              <a:latin typeface="Times New Roman"/>
-            </a:endParaRPr>
-          </a:p>
-        </p:txBody>
-      </p:sp>
-      <p:sp>
-        <p:nvSpPr>
-          <p:cNvPr id="4" name="PlaceHolder 5"/>
-          <p:cNvSpPr>
-            <a:spLocks noGrp="1"/>
-          </p:cNvSpPr>
-          <p:nvPr>
-            <p:ph type="sldNum"/>
-          </p:nvPr>
-        </p:nvSpPr>
-        <p:spPr>
-          <a:xfrm>
-            <a:off x="7227360" y="6887160"/>
-            <a:ext cx="2348280" cy="521280"/>
-          </a:xfrm>
-          <a:prstGeom prst="rect">
-            <a:avLst/>
-          </a:prstGeom>
-        </p:spPr>
-        <p:txBody>
-          <a:bodyPr lIns="0" rIns="0" tIns="0" bIns="0"/>
-          <a:p>
-            <a:pPr algn="r"/>
-            <a:fld id="{699505AE-9A16-4B2C-A91E-ED1D52D97E34}" type="slidenum">
-              <a:rPr b="0" lang="en-US" sz="1400" spc="-1" strike="noStrike">
-                <a:solidFill>
-                  <a:srgbClr val="000000"/>
-                </a:solidFill>
-                <a:uFill>
-                  <a:solidFill>
-                    <a:srgbClr val="ffffff"/>
-                  </a:solidFill>
-                </a:uFill>
-                <a:latin typeface="Times New Roman"/>
-              </a:rPr>
-              <a:t>&lt;number&gt;</a:t>
-            </a:fld>
-            <a:endParaRPr b="0" lang="en-US" sz="1400" spc="-1" strike="noStrike">
-              <a:solidFill>
-                <a:srgbClr val="000000"/>
-              </a:solidFill>
-              <a:uFill>
-                <a:solidFill>
-                  <a:srgbClr val="ffffff"/>
-                </a:solidFill>
-              </a:uFill>
-              <a:latin typeface="Times New Roman"/>
-            </a:endParaRPr>
-          </a:p>
-        </p:txBody>
-      </p:sp>
     </p:spTree>
   </p:cSld>
   <p:clrMap bg1="lt1" bg2="lt2" tx1="dk1" tx2="dk2" accent1="accent1" accent2="accent2" accent3="accent3" accent4="accent4" accent5="accent5" accent6="accent6" hlink="hlink" folHlink="folHlink"/>
@@ -2013,7 +1542,7 @@
       </p:grpSpPr>
       <p:pic>
         <p:nvPicPr>
-          <p:cNvPr id="39" name="" descr=""/>
+          <p:cNvPr id="34" name="" descr=""/>
           <p:cNvPicPr/>
           <p:nvPr/>
         </p:nvPicPr>
@@ -2024,7 +1553,7 @@
         <p:spPr>
           <a:xfrm>
             <a:off x="685800" y="1609920"/>
-            <a:ext cx="4105080" cy="4105080"/>
+            <a:ext cx="4104720" cy="4104720"/>
           </a:xfrm>
           <a:prstGeom prst="rect">
             <a:avLst/>
@@ -2036,14 +1565,14 @@
       </p:pic>
       <p:sp>
         <p:nvSpPr>
-          <p:cNvPr id="40" name="TextShape 1"/>
-          <p:cNvSpPr txBox="1"/>
+          <p:cNvPr id="35" name="CustomShape 1"/>
+          <p:cNvSpPr/>
           <p:nvPr/>
         </p:nvSpPr>
         <p:spPr>
           <a:xfrm>
             <a:off x="1828800" y="1143000"/>
-            <a:ext cx="2070360" cy="346320"/>
+            <a:ext cx="2070000" cy="345960"/>
           </a:xfrm>
           <a:prstGeom prst="rect">
             <a:avLst/>
@@ -2053,6 +1582,231 @@
             <a:noFill/>
           </a:ln>
         </p:spPr>
+        <p:style>
+          <a:lnRef idx="0"/>
+          <a:fillRef idx="0"/>
+          <a:effectRef idx="0"/>
+          <a:fontRef idx="minor"/>
+        </p:style>
+        <p:txBody>
+          <a:bodyPr lIns="90000" rIns="90000" tIns="45000" bIns="45000"/>
+          <a:p>
+            <a:r>
+              <a:rPr b="0" lang="en-US" sz="1800" spc="-1" strike="noStrike">
+                <a:solidFill>
+                  <a:srgbClr val="000000"/>
+                </a:solidFill>
+                <a:uFill>
+                  <a:solidFill>
+                    <a:srgbClr val="ffffff"/>
+                  </a:solidFill>
+                </a:uFill>
+                <a:latin typeface="Arial"/>
+              </a:rPr>
+              <a:t>Key character</a:t>
+            </a:r>
+            <a:endParaRPr b="0" lang="en-US" sz="1800" spc="-1" strike="noStrike">
+              <a:solidFill>
+                <a:srgbClr val="000000"/>
+              </a:solidFill>
+              <a:uFill>
+                <a:solidFill>
+                  <a:srgbClr val="ffffff"/>
+                </a:solidFill>
+              </a:uFill>
+              <a:latin typeface="Arial"/>
+            </a:endParaRPr>
+          </a:p>
+        </p:txBody>
+      </p:sp>
+      <p:sp>
+        <p:nvSpPr>
+          <p:cNvPr id="36" name="CustomShape 2"/>
+          <p:cNvSpPr/>
+          <p:nvPr/>
+        </p:nvSpPr>
+        <p:spPr>
+          <a:xfrm>
+            <a:off x="2565360" y="5943600"/>
+            <a:ext cx="1777680" cy="345960"/>
+          </a:xfrm>
+          <a:prstGeom prst="rect">
+            <a:avLst/>
+          </a:prstGeom>
+          <a:noFill/>
+          <a:ln>
+            <a:noFill/>
+          </a:ln>
+        </p:spPr>
+        <p:style>
+          <a:lnRef idx="0"/>
+          <a:fillRef idx="0"/>
+          <a:effectRef idx="0"/>
+          <a:fontRef idx="minor"/>
+        </p:style>
+        <p:txBody>
+          <a:bodyPr lIns="90000" rIns="90000" tIns="45000" bIns="45000"/>
+          <a:p>
+            <a:r>
+              <a:rPr b="0" lang="en-US" sz="1800" spc="-1" strike="noStrike">
+                <a:solidFill>
+                  <a:srgbClr val="000000"/>
+                </a:solidFill>
+                <a:uFill>
+                  <a:solidFill>
+                    <a:srgbClr val="ffffff"/>
+                  </a:solidFill>
+                </a:uFill>
+                <a:latin typeface="Arial"/>
+              </a:rPr>
+              <a:t>Ciphertext table</a:t>
+            </a:r>
+            <a:endParaRPr b="0" lang="en-US" sz="1800" spc="-1" strike="noStrike">
+              <a:solidFill>
+                <a:srgbClr val="000000"/>
+              </a:solidFill>
+              <a:uFill>
+                <a:solidFill>
+                  <a:srgbClr val="ffffff"/>
+                </a:solidFill>
+              </a:uFill>
+              <a:latin typeface="Arial"/>
+            </a:endParaRPr>
+          </a:p>
+        </p:txBody>
+      </p:sp>
+      <p:sp>
+        <p:nvSpPr>
+          <p:cNvPr id="37" name="Line 3"/>
+          <p:cNvSpPr/>
+          <p:nvPr/>
+        </p:nvSpPr>
+        <p:spPr>
+          <a:xfrm flipV="1">
+            <a:off x="3429000" y="5715000"/>
+            <a:ext cx="360" cy="228600"/>
+          </a:xfrm>
+          <a:prstGeom prst="line">
+            <a:avLst/>
+          </a:prstGeom>
+          <a:ln>
+            <a:solidFill>
+              <a:srgbClr val="000000"/>
+            </a:solidFill>
+            <a:tailEnd len="med" type="triangle" w="med"/>
+          </a:ln>
+        </p:spPr>
+        <p:style>
+          <a:lnRef idx="0"/>
+          <a:fillRef idx="0"/>
+          <a:effectRef idx="0"/>
+          <a:fontRef idx="minor"/>
+        </p:style>
+      </p:sp>
+      <p:pic>
+        <p:nvPicPr>
+          <p:cNvPr id="38" name="" descr=""/>
+          <p:cNvPicPr/>
+          <p:nvPr/>
+        </p:nvPicPr>
+        <p:blipFill>
+          <a:blip r:embed="rId2"/>
+          <a:stretch/>
+        </p:blipFill>
+        <p:spPr>
+          <a:xfrm>
+            <a:off x="5715000" y="1609920"/>
+            <a:ext cx="4104720" cy="4104720"/>
+          </a:xfrm>
+          <a:prstGeom prst="rect">
+            <a:avLst/>
+          </a:prstGeom>
+          <a:ln>
+            <a:noFill/>
+          </a:ln>
+        </p:spPr>
+      </p:pic>
+      <p:sp>
+        <p:nvSpPr>
+          <p:cNvPr id="39" name="CustomShape 4"/>
+          <p:cNvSpPr/>
+          <p:nvPr/>
+        </p:nvSpPr>
+        <p:spPr>
+          <a:xfrm>
+            <a:off x="6858000" y="1143000"/>
+            <a:ext cx="2070000" cy="345960"/>
+          </a:xfrm>
+          <a:prstGeom prst="rect">
+            <a:avLst/>
+          </a:prstGeom>
+          <a:noFill/>
+          <a:ln>
+            <a:noFill/>
+          </a:ln>
+        </p:spPr>
+        <p:style>
+          <a:lnRef idx="0"/>
+          <a:fillRef idx="0"/>
+          <a:effectRef idx="0"/>
+          <a:fontRef idx="minor"/>
+        </p:style>
+        <p:txBody>
+          <a:bodyPr lIns="90000" rIns="90000" tIns="45000" bIns="45000"/>
+          <a:p>
+            <a:r>
+              <a:rPr b="0" lang="en-US" sz="1800" spc="-1" strike="noStrike">
+                <a:solidFill>
+                  <a:srgbClr val="000000"/>
+                </a:solidFill>
+                <a:uFill>
+                  <a:solidFill>
+                    <a:srgbClr val="ffffff"/>
+                  </a:solidFill>
+                </a:uFill>
+                <a:latin typeface="Arial"/>
+              </a:rPr>
+              <a:t>Key character</a:t>
+            </a:r>
+            <a:endParaRPr b="0" lang="en-US" sz="1800" spc="-1" strike="noStrike">
+              <a:solidFill>
+                <a:srgbClr val="000000"/>
+              </a:solidFill>
+              <a:uFill>
+                <a:solidFill>
+                  <a:srgbClr val="ffffff"/>
+                </a:solidFill>
+              </a:uFill>
+              <a:latin typeface="Arial"/>
+            </a:endParaRPr>
+          </a:p>
+        </p:txBody>
+      </p:sp>
+      <p:sp>
+        <p:nvSpPr>
+          <p:cNvPr id="40" name="CustomShape 5"/>
+          <p:cNvSpPr/>
+          <p:nvPr/>
+        </p:nvSpPr>
+        <p:spPr>
+          <a:xfrm rot="16200000">
+            <a:off x="4170240" y="2798640"/>
+            <a:ext cx="2743200" cy="345960"/>
+          </a:xfrm>
+          <a:prstGeom prst="rect">
+            <a:avLst/>
+          </a:prstGeom>
+          <a:noFill/>
+          <a:ln>
+            <a:noFill/>
+          </a:ln>
+        </p:spPr>
+        <p:style>
+          <a:lnRef idx="0"/>
+          <a:fillRef idx="0"/>
+          <a:effectRef idx="0"/>
+          <a:fontRef idx="minor"/>
+        </p:style>
         <p:txBody>
           <a:bodyPr lIns="90000" rIns="90000" tIns="45000" bIns="45000"/>
           <a:p>
@@ -2086,14 +1840,14 @@
       </p:sp>
       <p:sp>
         <p:nvSpPr>
-          <p:cNvPr id="41" name="TextShape 2"/>
-          <p:cNvSpPr txBox="1"/>
+          <p:cNvPr id="41" name="CustomShape 6"/>
+          <p:cNvSpPr/>
           <p:nvPr/>
         </p:nvSpPr>
         <p:spPr>
-          <a:xfrm rot="16200000">
-            <a:off x="-392400" y="3604320"/>
-            <a:ext cx="1589040" cy="346320"/>
+          <a:xfrm>
+            <a:off x="7594560" y="5943600"/>
+            <a:ext cx="1777680" cy="345960"/>
           </a:xfrm>
           <a:prstGeom prst="rect">
             <a:avLst/>
@@ -2103,56 +1857,12 @@
             <a:noFill/>
           </a:ln>
         </p:spPr>
-        <p:txBody>
-          <a:bodyPr lIns="90000" rIns="90000" tIns="45000" bIns="45000"/>
-          <a:p>
-            <a:r>
-              <a:rPr b="0" lang="en-US" sz="1800" spc="-1" strike="noStrike">
-                <a:solidFill>
-                  <a:srgbClr val="000000"/>
-                </a:solidFill>
-                <a:uFill>
-                  <a:solidFill>
-                    <a:srgbClr val="ffffff"/>
-                  </a:solidFill>
-                </a:uFill>
-                <a:latin typeface="Arial"/>
-              </a:rPr>
-              <a:t>Key character</a:t>
-            </a:r>
-            <a:endParaRPr b="0" lang="en-US" sz="1800" spc="-1" strike="noStrike">
-              <a:solidFill>
-                <a:srgbClr val="000000"/>
-              </a:solidFill>
-              <a:uFill>
-                <a:solidFill>
-                  <a:srgbClr val="ffffff"/>
-                </a:solidFill>
-              </a:uFill>
-              <a:latin typeface="Arial"/>
-            </a:endParaRPr>
-          </a:p>
-        </p:txBody>
-      </p:sp>
-      <p:sp>
-        <p:nvSpPr>
-          <p:cNvPr id="42" name="TextShape 3"/>
-          <p:cNvSpPr txBox="1"/>
-          <p:nvPr/>
-        </p:nvSpPr>
-        <p:spPr>
-          <a:xfrm>
-            <a:off x="2565360" y="5943600"/>
-            <a:ext cx="1778040" cy="346320"/>
-          </a:xfrm>
-          <a:prstGeom prst="rect">
-            <a:avLst/>
-          </a:prstGeom>
-          <a:noFill/>
-          <a:ln>
-            <a:noFill/>
-          </a:ln>
-        </p:spPr>
+        <p:style>
+          <a:lnRef idx="0"/>
+          <a:fillRef idx="0"/>
+          <a:effectRef idx="0"/>
+          <a:fontRef idx="minor"/>
+        </p:style>
         <p:txBody>
           <a:bodyPr lIns="90000" rIns="90000" tIns="45000" bIns="45000"/>
           <a:p>
@@ -2186,14 +1896,14 @@
       </p:sp>
       <p:sp>
         <p:nvSpPr>
-          <p:cNvPr id="43" name="Line 4"/>
+          <p:cNvPr id="42" name="Line 7"/>
           <p:cNvSpPr/>
           <p:nvPr/>
         </p:nvSpPr>
         <p:spPr>
           <a:xfrm flipV="1">
-            <a:off x="3429000" y="5715000"/>
-            <a:ext cx="0" cy="228600"/>
+            <a:off x="8458200" y="5715000"/>
+            <a:ext cx="360" cy="228600"/>
           </a:xfrm>
           <a:prstGeom prst="line">
             <a:avLst/>
@@ -2212,39 +1922,16 @@
           <a:fontRef idx="minor"/>
         </p:style>
       </p:sp>
-      <p:pic>
-        <p:nvPicPr>
-          <p:cNvPr id="44" name="" descr=""/>
-          <p:cNvPicPr/>
+      <p:sp>
+        <p:nvSpPr>
+          <p:cNvPr id="43" name="CustomShape 8"/>
+          <p:cNvSpPr/>
           <p:nvPr/>
-        </p:nvPicPr>
-        <p:blipFill>
-          <a:blip r:embed="rId2"/>
-          <a:stretch/>
-        </p:blipFill>
-        <p:spPr>
-          <a:xfrm>
-            <a:off x="5715000" y="1609920"/>
-            <a:ext cx="4105080" cy="4105080"/>
-          </a:xfrm>
-          <a:prstGeom prst="rect">
-            <a:avLst/>
-          </a:prstGeom>
-          <a:ln>
-            <a:noFill/>
-          </a:ln>
-        </p:spPr>
-      </p:pic>
-      <p:sp>
-        <p:nvSpPr>
-          <p:cNvPr id="45" name="TextShape 5"/>
-          <p:cNvSpPr txBox="1"/>
-          <p:nvPr/>
-        </p:nvSpPr>
-        <p:spPr>
-          <a:xfrm>
-            <a:off x="6858000" y="1143000"/>
-            <a:ext cx="2070360" cy="346320"/>
+        </p:nvSpPr>
+        <p:spPr>
+          <a:xfrm rot="16200000">
+            <a:off x="-858600" y="2798640"/>
+            <a:ext cx="2743200" cy="345960"/>
           </a:xfrm>
           <a:prstGeom prst="rect">
             <a:avLst/>
@@ -2254,6 +1941,12 @@
             <a:noFill/>
           </a:ln>
         </p:spPr>
+        <p:style>
+          <a:lnRef idx="0"/>
+          <a:fillRef idx="0"/>
+          <a:effectRef idx="0"/>
+          <a:fontRef idx="minor"/>
+        </p:style>
         <p:txBody>
           <a:bodyPr lIns="90000" rIns="90000" tIns="45000" bIns="45000"/>
           <a:p>
@@ -2285,136 +1978,35 @@
           </a:p>
         </p:txBody>
       </p:sp>
-      <p:sp>
-        <p:nvSpPr>
-          <p:cNvPr id="46" name="TextShape 6"/>
-          <p:cNvSpPr txBox="1"/>
-          <p:nvPr/>
-        </p:nvSpPr>
-        <p:spPr>
-          <a:xfrm rot="16200000">
-            <a:off x="4636440" y="3604320"/>
-            <a:ext cx="1589040" cy="346320"/>
-          </a:xfrm>
-          <a:prstGeom prst="rect">
-            <a:avLst/>
-          </a:prstGeom>
-          <a:noFill/>
-          <a:ln>
-            <a:noFill/>
-          </a:ln>
-        </p:spPr>
-        <p:txBody>
-          <a:bodyPr lIns="90000" rIns="90000" tIns="45000" bIns="45000"/>
-          <a:p>
-            <a:r>
-              <a:rPr b="0" lang="en-US" sz="1800" spc="-1" strike="noStrike">
-                <a:solidFill>
-                  <a:srgbClr val="000000"/>
-                </a:solidFill>
-                <a:uFill>
-                  <a:solidFill>
-                    <a:srgbClr val="ffffff"/>
-                  </a:solidFill>
-                </a:uFill>
-                <a:latin typeface="Arial"/>
-              </a:rPr>
-              <a:t>Key character</a:t>
-            </a:r>
-            <a:endParaRPr b="0" lang="en-US" sz="1800" spc="-1" strike="noStrike">
-              <a:solidFill>
-                <a:srgbClr val="000000"/>
-              </a:solidFill>
-              <a:uFill>
-                <a:solidFill>
-                  <a:srgbClr val="ffffff"/>
-                </a:solidFill>
-              </a:uFill>
-              <a:latin typeface="Arial"/>
-            </a:endParaRPr>
-          </a:p>
-        </p:txBody>
-      </p:sp>
-      <p:sp>
-        <p:nvSpPr>
-          <p:cNvPr id="47" name="TextShape 7"/>
-          <p:cNvSpPr txBox="1"/>
-          <p:nvPr/>
-        </p:nvSpPr>
-        <p:spPr>
-          <a:xfrm>
-            <a:off x="7594560" y="5943600"/>
-            <a:ext cx="1778040" cy="346320"/>
-          </a:xfrm>
-          <a:prstGeom prst="rect">
-            <a:avLst/>
-          </a:prstGeom>
-          <a:noFill/>
-          <a:ln>
-            <a:noFill/>
-          </a:ln>
-        </p:spPr>
-        <p:txBody>
-          <a:bodyPr lIns="90000" rIns="90000" tIns="45000" bIns="45000"/>
-          <a:p>
-            <a:r>
-              <a:rPr b="0" lang="en-US" sz="1800" spc="-1" strike="noStrike">
-                <a:solidFill>
-                  <a:srgbClr val="000000"/>
-                </a:solidFill>
-                <a:uFill>
-                  <a:solidFill>
-                    <a:srgbClr val="ffffff"/>
-                  </a:solidFill>
-                </a:uFill>
-                <a:latin typeface="Arial"/>
-              </a:rPr>
-              <a:t>Ciphertext table</a:t>
-            </a:r>
-            <a:endParaRPr b="0" lang="en-US" sz="1800" spc="-1" strike="noStrike">
-              <a:solidFill>
-                <a:srgbClr val="000000"/>
-              </a:solidFill>
-              <a:uFill>
-                <a:solidFill>
-                  <a:srgbClr val="ffffff"/>
-                </a:solidFill>
-              </a:uFill>
-              <a:latin typeface="Arial"/>
-            </a:endParaRPr>
-          </a:p>
-        </p:txBody>
-      </p:sp>
-      <p:sp>
-        <p:nvSpPr>
-          <p:cNvPr id="48" name="Line 8"/>
-          <p:cNvSpPr/>
-          <p:nvPr/>
-        </p:nvSpPr>
-        <p:spPr>
-          <a:xfrm flipV="1">
-            <a:off x="8458200" y="5715000"/>
-            <a:ext cx="0" cy="228600"/>
-          </a:xfrm>
-          <a:prstGeom prst="line">
-            <a:avLst/>
-          </a:prstGeom>
-          <a:ln>
-            <a:solidFill>
-              <a:srgbClr val="000000"/>
-            </a:solidFill>
-            <a:tailEnd len="med" type="triangle" w="med"/>
-          </a:ln>
-        </p:spPr>
-        <p:style>
-          <a:lnRef idx="0"/>
-          <a:fillRef idx="0"/>
-          <a:effectRef idx="0"/>
-          <a:fontRef idx="minor"/>
-        </p:style>
-      </p:sp>
     </p:spTree>
   </p:cSld>
+  <p:timing>
+    <p:tnLst>
+      <p:par>
+        <p:cTn id="1" dur="indefinite" restart="never" nodeType="tmRoot">
+          <p:childTnLst>
+            <p:seq>
+              <p:cTn id="2" nodeType="mainSeq"/>
+              <p:prevCondLst>
+                <p:cond delay="0" evt="onPrev">
+                  <p:tgtEl>
+                    <p:sldTgt/>
+                  </p:tgtEl>
+                </p:cond>
+              </p:prevCondLst>
+              <p:nextCondLst>
+                <p:cond delay="0" evt="onNext">
+                  <p:tgtEl>
+                    <p:sldTgt/>
+                  </p:tgtEl>
+                </p:cond>
+              </p:nextCondLst>
+            </p:seq>
+          </p:childTnLst>
+        </p:cTn>
+      </p:par>
+    </p:tnLst>
+  </p:timing>
 </p:sld>
 </file>
 
